--- a/DSE5002_prjt1_cbrookshier.pptx
+++ b/DSE5002_prjt1_cbrookshier.pptx
@@ -513,11 +513,19 @@
           <a:p>
             <a:r>
               <a:rPr lang="en-US" sz="1800" dirty="0"/>
-              <a:t>Analysis of  the original dataset compared to a more current data set indicates a marked difference between the Interquartile range (IGR) of salaries.  When filtered for job titles with the word ‘lead’, the interquartile range (25% to 75%) percentiles change from a range of approximately 87,000 to 170,000 USD in the 2020-2022 set to a range of 111,000 to 182,000 USD in the 2025 filtered set. </a:t>
+              <a:t>All data filtered to reflect salary ranges with the word ‘lead’ included in the job title. Analysis of  the </a:t>
+            </a:r>
+            <a:r>
+              <a:rPr lang="en-US" sz="2800" dirty="0"/>
+              <a:t>provided dataset </a:t>
+            </a:r>
+            <a:r>
+              <a:rPr lang="en-US" sz="1800" dirty="0"/>
+              <a:t>compared to a more current data set indicates a marked difference between the Interquartile range of ‘lead’ filtered salaries.  The interquartile range (25% to 75%) percentiles change from a range of 87,000 to 170,000 USD in the 2020-2022 set, to a range of 111,000 to 182,000 USD in the 2025 filtered set. </a:t>
             </a:r>
           </a:p>
           <a:p>
-            <a:endParaRPr lang="en-US" sz="1800" dirty="0"/>
+            <a:endParaRPr lang="en-US" sz="2800" dirty="0"/>
           </a:p>
           <a:p>
             <a:r>
@@ -20679,7 +20687,7 @@
         <p:spPr>
           <a:xfrm>
             <a:off x="1552576" y="14287"/>
-            <a:ext cx="9115424" cy="687389"/>
+            <a:ext cx="9115424" cy="622263"/>
           </a:xfrm>
         </p:spPr>
         <p:txBody>
@@ -26014,8 +26022,8 @@
         </p:nvSpPr>
         <p:spPr>
           <a:xfrm>
-            <a:off x="628655" y="4230629"/>
-            <a:ext cx="10915645" cy="2862322"/>
+            <a:off x="828676" y="4230629"/>
+            <a:ext cx="10444161" cy="2800767"/>
           </a:xfrm>
           <a:prstGeom prst="rect">
             <a:avLst/>
@@ -26028,23 +26036,28 @@
           </a:bodyPr>
           <a:lstStyle/>
           <a:p>
+            <a:pPr marL="285750" indent="-285750">
+              <a:buFont typeface="Arial" panose="020B0604020202020204" pitchFamily="34" charset="0"/>
+              <a:buChar char="•"/>
+            </a:pPr>
             <a:r>
-              <a:rPr lang="en-US" sz="1800" dirty="0"/>
-              <a:t>All data filtered to reflect salary ranges with the word ‘lead’ included in the job title. Analysis of  the </a:t>
+              <a:rPr lang="en-US" sz="1700" dirty="0"/>
+              <a:t>All data filtered to reflect salary ranges with the word ‘lead’ included in the job title. Analysis of  the provided dataset compared to a more current data set indicates a marked difference between the Interquartile range of ‘lead’ filtered salaries.  The interquartile range (25% to 75%) percentiles change from a range of 87,000 to 170,000 USD in the 2020-2022 set, to a range of 111,000 to 182,000 USD in the 2025 filtered set. </a:t>
             </a:r>
-            <a:r>
-              <a:rPr lang="en-US" dirty="0"/>
-              <a:t>original provided dataset </a:t>
-            </a:r>
-            <a:r>
-              <a:rPr lang="en-US" sz="1800" dirty="0"/>
-              <a:t>compared to a more current data set indicates a marked difference between the Interquartile range of ‘lead’ filtered salaries.  The interquartile range (25% to 75%) percentiles change from a range of 87,000 to 170,000 USD in the 2020-2022 set to a range of 111,000 to 182,000 USD in the 2025 filtered set. </a:t>
-            </a:r>
+            <a:endParaRPr lang="en-US" sz="2800" dirty="0"/>
           </a:p>
           <a:p>
-            <a:endParaRPr lang="en-US" dirty="0"/>
+            <a:pPr marL="285750" indent="-285750">
+              <a:buFont typeface="Arial" panose="020B0604020202020204" pitchFamily="34" charset="0"/>
+              <a:buChar char="•"/>
+            </a:pPr>
+            <a:endParaRPr lang="en-US" sz="1800" dirty="0"/>
           </a:p>
           <a:p>
+            <a:pPr marL="285750" indent="-285750">
+              <a:buFont typeface="Arial" panose="020B0604020202020204" pitchFamily="34" charset="0"/>
+              <a:buChar char="•"/>
+            </a:pPr>
             <a:r>
               <a:rPr lang="en-US" sz="1800" dirty="0"/>
               <a:t>Both the original data set and the current set showed a substantive overall difference in ‘lead’ filtered salary ranges between US and non-US filtered subsets. The IQR for the 2025 set indicated a salary range of approximately 115,000 to 188,000 USD for US data scientists and an IQR of 61,000 to 103,000 USD for the non-US data scientist equivalent. </a:t>
@@ -32640,8 +32653,8 @@
         </p:nvSpPr>
         <p:spPr>
           <a:xfrm>
-            <a:off x="1141412" y="1125538"/>
-            <a:ext cx="9905999" cy="5480050"/>
+            <a:off x="735013" y="1125538"/>
+            <a:ext cx="10787061" cy="5480050"/>
           </a:xfrm>
         </p:spPr>
         <p:txBody>
@@ -32666,7 +32679,7 @@
                   </a:glow>
                 </a:effectLst>
               </a:rPr>
-              <a:t>To gain a data Scientist with leadership Ability, it is recommended that to remain competitive in the 2025 US market, the offered salary range should fall between </a:t>
+              <a:t>To Attract a data Scientist with leadership Ability, it is recommended that to remain competitive in the 2025 US market, the offered salary range should fall between         </a:t>
             </a:r>
             <a:r>
               <a:rPr lang="en-US" sz="1900" u="sng" dirty="0">

--- a/DSE5002_prjt1_cbrookshier.pptx
+++ b/DSE5002_prjt1_cbrookshier.pptx
@@ -562,6 +562,90 @@
     <p:extLst>
       <p:ext uri="{BB962C8B-B14F-4D97-AF65-F5344CB8AC3E}">
         <p14:creationId xmlns:p14="http://schemas.microsoft.com/office/powerpoint/2010/main" val="1719345818"/>
+      </p:ext>
+    </p:extLst>
+  </p:cSld>
+  <p:clrMapOvr>
+    <a:masterClrMapping/>
+  </p:clrMapOvr>
+</p:notes>
+</file>
+
+<file path=ppt/notesSlides/notesSlide2.xml><?xml version="1.0" encoding="utf-8"?>
+<p:notes xmlns:a="http://schemas.openxmlformats.org/drawingml/2006/main" xmlns:r="http://schemas.openxmlformats.org/officeDocument/2006/relationships" xmlns:p="http://schemas.openxmlformats.org/presentationml/2006/main">
+  <p:cSld>
+    <p:spTree>
+      <p:nvGrpSpPr>
+        <p:cNvPr id="1" name=""/>
+        <p:cNvGrpSpPr/>
+        <p:nvPr/>
+      </p:nvGrpSpPr>
+      <p:grpSpPr>
+        <a:xfrm>
+          <a:off x="0" y="0"/>
+          <a:ext cx="0" cy="0"/>
+          <a:chOff x="0" y="0"/>
+          <a:chExt cx="0" cy="0"/>
+        </a:xfrm>
+      </p:grpSpPr>
+      <p:sp>
+        <p:nvSpPr>
+          <p:cNvPr id="2" name="Slide Image Placeholder 1"/>
+          <p:cNvSpPr>
+            <a:spLocks noGrp="1" noRot="1" noChangeAspect="1"/>
+          </p:cNvSpPr>
+          <p:nvPr>
+            <p:ph type="sldImg"/>
+          </p:nvPr>
+        </p:nvSpPr>
+        <p:spPr/>
+      </p:sp>
+      <p:sp>
+        <p:nvSpPr>
+          <p:cNvPr id="3" name="Notes Placeholder 2"/>
+          <p:cNvSpPr>
+            <a:spLocks noGrp="1"/>
+          </p:cNvSpPr>
+          <p:nvPr>
+            <p:ph type="body" idx="1"/>
+          </p:nvPr>
+        </p:nvSpPr>
+        <p:spPr/>
+        <p:txBody>
+          <a:bodyPr/>
+          <a:lstStyle/>
+          <a:p>
+            <a:endParaRPr lang="en-US" dirty="0"/>
+          </a:p>
+        </p:txBody>
+      </p:sp>
+      <p:sp>
+        <p:nvSpPr>
+          <p:cNvPr id="4" name="Slide Number Placeholder 3"/>
+          <p:cNvSpPr>
+            <a:spLocks noGrp="1"/>
+          </p:cNvSpPr>
+          <p:nvPr>
+            <p:ph type="sldNum" sz="quarter" idx="5"/>
+          </p:nvPr>
+        </p:nvSpPr>
+        <p:spPr/>
+        <p:txBody>
+          <a:bodyPr/>
+          <a:lstStyle/>
+          <a:p>
+            <a:fld id="{8E21EFF7-0BD8-ED4E-9E0B-3F772053C407}" type="slidenum">
+              <a:rPr lang="en-US" smtClean="0"/>
+              <a:t>4</a:t>
+            </a:fld>
+            <a:endParaRPr lang="en-US"/>
+          </a:p>
+        </p:txBody>
+      </p:sp>
+    </p:spTree>
+    <p:extLst>
+      <p:ext uri="{BB962C8B-B14F-4D97-AF65-F5344CB8AC3E}">
+        <p14:creationId xmlns:p14="http://schemas.microsoft.com/office/powerpoint/2010/main" val="2432189796"/>
       </p:ext>
     </p:extLst>
   </p:cSld>
@@ -19260,8 +19344,8 @@
         </p:nvSpPr>
         <p:spPr>
           <a:xfrm>
-            <a:off x="1141413" y="636588"/>
-            <a:ext cx="9905998" cy="746126"/>
+            <a:off x="1063625" y="368300"/>
+            <a:ext cx="9905998" cy="1157288"/>
           </a:xfrm>
         </p:spPr>
         <p:txBody>
@@ -19372,8 +19456,8 @@
         </p:nvSpPr>
         <p:spPr>
           <a:xfrm>
-            <a:off x="1141412" y="1611314"/>
-            <a:ext cx="9905999" cy="4984750"/>
+            <a:off x="1261270" y="1435101"/>
+            <a:ext cx="9621835" cy="5160963"/>
           </a:xfrm>
         </p:spPr>
         <p:txBody>
@@ -19388,13 +19472,15 @@
               </a:lnSpc>
             </a:pPr>
             <a:r>
-              <a:rPr lang="en-US" sz="2400" u="sng" dirty="0">
+              <a:rPr lang="en-US" sz="2200" u="sng" dirty="0">
                 <a:solidFill>
                   <a:schemeClr val="tx1"/>
                 </a:solidFill>
                 <a:effectLst>
-                  <a:glow rad="38100">
-                    <a:schemeClr val="bg2"/>
+                  <a:glow rad="63500">
+                    <a:schemeClr val="bg1">
+                      <a:alpha val="89000"/>
+                    </a:schemeClr>
                   </a:glow>
                 </a:effectLst>
               </a:rPr>
@@ -19410,13 +19496,15 @@
               <a:buChar char="•"/>
             </a:pPr>
             <a:r>
-              <a:rPr lang="en-US" dirty="0">
+              <a:rPr lang="en-US" sz="2200" dirty="0">
                 <a:solidFill>
                   <a:schemeClr val="tx1"/>
                 </a:solidFill>
                 <a:effectLst>
-                  <a:glow rad="38100">
-                    <a:schemeClr val="bg2"/>
+                  <a:glow rad="63500">
+                    <a:schemeClr val="bg1">
+                      <a:alpha val="89000"/>
+                    </a:schemeClr>
                   </a:glow>
                 </a:effectLst>
               </a:rPr>
@@ -19432,13 +19520,15 @@
               <a:buChar char="•"/>
             </a:pPr>
             <a:r>
-              <a:rPr lang="en-US" dirty="0">
+              <a:rPr lang="en-US" sz="2200" dirty="0">
                 <a:solidFill>
                   <a:schemeClr val="tx1"/>
                 </a:solidFill>
                 <a:effectLst>
-                  <a:glow rad="38100">
-                    <a:schemeClr val="bg2"/>
+                  <a:glow rad="63500">
+                    <a:schemeClr val="bg1">
+                      <a:alpha val="89000"/>
+                    </a:schemeClr>
                   </a:glow>
                 </a:effectLst>
               </a:rPr>
@@ -19454,13 +19544,15 @@
               <a:buChar char="•"/>
             </a:pPr>
             <a:r>
-              <a:rPr lang="en-US" dirty="0">
+              <a:rPr lang="en-US" sz="2200" dirty="0">
                 <a:solidFill>
                   <a:schemeClr val="tx1"/>
                 </a:solidFill>
                 <a:effectLst>
-                  <a:glow rad="38100">
-                    <a:schemeClr val="bg2"/>
+                  <a:glow rad="63500">
+                    <a:schemeClr val="bg1">
+                      <a:alpha val="89000"/>
+                    </a:schemeClr>
                   </a:glow>
                 </a:effectLst>
               </a:rPr>
@@ -19476,13 +19568,15 @@
               <a:buChar char="•"/>
             </a:pPr>
             <a:r>
-              <a:rPr lang="en-US" dirty="0">
+              <a:rPr lang="en-US" sz="2200" dirty="0">
                 <a:solidFill>
                   <a:schemeClr val="tx1"/>
                 </a:solidFill>
                 <a:effectLst>
-                  <a:glow rad="38100">
-                    <a:schemeClr val="bg2"/>
+                  <a:glow rad="63500">
+                    <a:schemeClr val="bg1">
+                      <a:alpha val="89000"/>
+                    </a:schemeClr>
                   </a:glow>
                 </a:effectLst>
               </a:rPr>
@@ -26022,8 +26116,8 @@
         </p:nvSpPr>
         <p:spPr>
           <a:xfrm>
-            <a:off x="828676" y="4230629"/>
-            <a:ext cx="10444161" cy="2800767"/>
+            <a:off x="0" y="4710113"/>
+            <a:ext cx="11977687" cy="2308324"/>
           </a:xfrm>
           <a:prstGeom prst="rect">
             <a:avLst/>
@@ -26041,17 +26135,17 @@
               <a:buChar char="•"/>
             </a:pPr>
             <a:r>
-              <a:rPr lang="en-US" sz="1700" dirty="0"/>
+              <a:rPr lang="en-US" dirty="0">
+                <a:effectLst>
+                  <a:glow rad="50839">
+                    <a:schemeClr val="bg1">
+                      <a:alpha val="90000"/>
+                    </a:schemeClr>
+                  </a:glow>
+                </a:effectLst>
+              </a:rPr>
               <a:t>All data filtered to reflect salary ranges with the word ‘lead’ included in the job title. Analysis of  the provided dataset compared to a more current data set indicates a marked difference between the Interquartile range of ‘lead’ filtered salaries.  The interquartile range (25% to 75%) percentiles change from a range of 87,000 to 170,000 USD in the 2020-2022 set, to a range of 111,000 to 182,000 USD in the 2025 filtered set. </a:t>
             </a:r>
-            <a:endParaRPr lang="en-US" sz="2800" dirty="0"/>
-          </a:p>
-          <a:p>
-            <a:pPr marL="285750" indent="-285750">
-              <a:buFont typeface="Arial" panose="020B0604020202020204" pitchFamily="34" charset="0"/>
-              <a:buChar char="•"/>
-            </a:pPr>
-            <a:endParaRPr lang="en-US" sz="1800" dirty="0"/>
           </a:p>
           <a:p>
             <a:pPr marL="285750" indent="-285750">
@@ -26059,7 +26153,15 @@
               <a:buChar char="•"/>
             </a:pPr>
             <a:r>
-              <a:rPr lang="en-US" sz="1800" dirty="0"/>
+              <a:rPr lang="en-US" dirty="0">
+                <a:effectLst>
+                  <a:glow rad="50839">
+                    <a:schemeClr val="bg1">
+                      <a:alpha val="90000"/>
+                    </a:schemeClr>
+                  </a:glow>
+                </a:effectLst>
+              </a:rPr>
               <a:t>Both the original data set and the current set showed a substantive overall difference in ‘lead’ filtered salary ranges between US and non-US filtered subsets. The IQR for the 2025 set indicated a salary range of approximately 115,000 to 188,000 USD for US data scientists and an IQR of 61,000 to 103,000 USD for the non-US data scientist equivalent. </a:t>
             </a:r>
           </a:p>
@@ -26070,10 +26172,10 @@
       </p:sp>
       <p:pic>
         <p:nvPicPr>
-          <p:cNvPr id="135" name="Picture 134">
+          <p:cNvPr id="140" name="Picture 139" descr="A graph with colorful lines and numbers&#10;&#10;AI-generated content may be incorrect.">
             <a:extLst>
               <a:ext uri="{FF2B5EF4-FFF2-40B4-BE49-F238E27FC236}">
-                <a16:creationId xmlns:a16="http://schemas.microsoft.com/office/drawing/2014/main" id="{EB09FA6B-2C87-1CC0-29A2-15E3D10D5624}"/>
+                <a16:creationId xmlns:a16="http://schemas.microsoft.com/office/drawing/2014/main" id="{62B15F4D-44B0-AA71-4C92-1061BF6E11C2}"/>
               </a:ext>
             </a:extLst>
           </p:cNvPr>
@@ -26090,8 +26192,8 @@
         </p:blipFill>
         <p:spPr>
           <a:xfrm>
-            <a:off x="6492791" y="679412"/>
-            <a:ext cx="4780046" cy="3401186"/>
+            <a:off x="304801" y="609520"/>
+            <a:ext cx="5637637" cy="4011395"/>
           </a:xfrm>
           <a:prstGeom prst="rect">
             <a:avLst/>
@@ -26100,10 +26202,10 @@
       </p:pic>
       <p:pic>
         <p:nvPicPr>
-          <p:cNvPr id="137" name="Picture 136">
+          <p:cNvPr id="142" name="Picture 141" descr="A chart with colored lines and numbers&#10;&#10;AI-generated content may be incorrect.">
             <a:extLst>
               <a:ext uri="{FF2B5EF4-FFF2-40B4-BE49-F238E27FC236}">
-                <a16:creationId xmlns:a16="http://schemas.microsoft.com/office/drawing/2014/main" id="{C21CB459-A381-2633-D5E8-F3F5B529A127}"/>
+                <a16:creationId xmlns:a16="http://schemas.microsoft.com/office/drawing/2014/main" id="{A6C1408C-23C1-F153-3E9D-C88142EBDB52}"/>
               </a:ext>
             </a:extLst>
           </p:cNvPr>
@@ -26120,8 +26222,8 @@
         </p:blipFill>
         <p:spPr>
           <a:xfrm>
-            <a:off x="823914" y="682063"/>
-            <a:ext cx="4764002" cy="3389771"/>
+            <a:off x="6230513" y="609520"/>
+            <a:ext cx="5637637" cy="4011395"/>
           </a:xfrm>
           <a:prstGeom prst="rect">
             <a:avLst/>
@@ -32653,13 +32755,13 @@
         </p:nvSpPr>
         <p:spPr>
           <a:xfrm>
-            <a:off x="735013" y="1125538"/>
-            <a:ext cx="10787061" cy="5480050"/>
+            <a:off x="472281" y="863602"/>
+            <a:ext cx="11202987" cy="5741986"/>
           </a:xfrm>
         </p:spPr>
         <p:txBody>
           <a:bodyPr vert="horz" lIns="91440" tIns="45720" rIns="91440" bIns="45720" rtlCol="0">
-            <a:normAutofit/>
+            <a:normAutofit lnSpcReduction="10000"/>
           </a:bodyPr>
           <a:lstStyle/>
           <a:p>
@@ -32669,39 +32771,45 @@
               </a:lnSpc>
             </a:pPr>
             <a:r>
-              <a:rPr lang="en-US" sz="1900" dirty="0">
+              <a:rPr lang="en-US" sz="2400" dirty="0">
                 <a:solidFill>
                   <a:schemeClr val="tx1"/>
                 </a:solidFill>
                 <a:effectLst>
-                  <a:glow rad="38100">
-                    <a:schemeClr val="bg2"/>
+                  <a:glow rad="66954">
+                    <a:schemeClr val="bg1">
+                      <a:alpha val="81000"/>
+                    </a:schemeClr>
                   </a:glow>
                 </a:effectLst>
               </a:rPr>
-              <a:t>To Attract a data Scientist with leadership Ability, it is recommended that to remain competitive in the 2025 US market, the offered salary range should fall between         </a:t>
+              <a:t>To Attract a data Scientist with leadership Ability, it is recommended that to remain competitive in the 2025 US market, the offered salary range should fall between </a:t>
             </a:r>
             <a:r>
-              <a:rPr lang="en-US" sz="1900" u="sng" dirty="0">
+              <a:rPr lang="en-US" sz="2400" u="sng" dirty="0">
                 <a:solidFill>
                   <a:schemeClr val="tx1"/>
                 </a:solidFill>
                 <a:effectLst>
-                  <a:glow rad="38100">
-                    <a:schemeClr val="bg2"/>
+                  <a:glow rad="66954">
+                    <a:schemeClr val="bg1">
+                      <a:alpha val="81000"/>
+                    </a:schemeClr>
                   </a:glow>
                 </a:effectLst>
               </a:rPr>
               <a:t>110,000-180,000</a:t>
             </a:r>
             <a:r>
-              <a:rPr lang="en-US" sz="1900" dirty="0">
+              <a:rPr lang="en-US" sz="2400" dirty="0">
                 <a:solidFill>
                   <a:schemeClr val="tx1"/>
                 </a:solidFill>
                 <a:effectLst>
-                  <a:glow rad="38100">
-                    <a:schemeClr val="bg2"/>
+                  <a:glow rad="66954">
+                    <a:schemeClr val="bg1">
+                      <a:alpha val="81000"/>
+                    </a:schemeClr>
                   </a:glow>
                 </a:effectLst>
               </a:rPr>
@@ -32717,13 +32825,15 @@
               <a:buAutoNum type="arabicPeriod"/>
             </a:pPr>
             <a:r>
-              <a:rPr lang="en-US" sz="1800" dirty="0">
+              <a:rPr lang="en-US" dirty="0">
                 <a:solidFill>
                   <a:schemeClr val="tx1"/>
                 </a:solidFill>
                 <a:effectLst>
-                  <a:glow rad="38100">
-                    <a:schemeClr val="bg2"/>
+                  <a:glow rad="66954">
+                    <a:schemeClr val="bg1">
+                      <a:alpha val="81000"/>
+                    </a:schemeClr>
                   </a:glow>
                 </a:effectLst>
               </a:rPr>
@@ -32739,13 +32849,15 @@
               <a:buAutoNum type="arabicPeriod"/>
             </a:pPr>
             <a:r>
-              <a:rPr lang="en-US" sz="1800" dirty="0">
+              <a:rPr lang="en-US" dirty="0">
                 <a:solidFill>
                   <a:schemeClr val="tx1"/>
                 </a:solidFill>
                 <a:effectLst>
-                  <a:glow rad="38100">
-                    <a:schemeClr val="bg2"/>
+                  <a:glow rad="66954">
+                    <a:schemeClr val="bg1">
+                      <a:alpha val="81000"/>
+                    </a:schemeClr>
                   </a:glow>
                 </a:effectLst>
               </a:rPr>
@@ -32761,13 +32873,15 @@
               <a:buAutoNum type="arabicPeriod"/>
             </a:pPr>
             <a:r>
-              <a:rPr lang="en-US" sz="1800" dirty="0">
+              <a:rPr lang="en-US" dirty="0">
                 <a:solidFill>
                   <a:schemeClr val="tx1"/>
                 </a:solidFill>
                 <a:effectLst>
-                  <a:glow rad="38100">
-                    <a:schemeClr val="bg2"/>
+                  <a:glow rad="66954">
+                    <a:schemeClr val="bg1">
+                      <a:alpha val="81000"/>
+                    </a:schemeClr>
                   </a:glow>
                 </a:effectLst>
               </a:rPr>
@@ -33927,7 +34041,7 @@
           </p:nvPr>
         </p:nvPicPr>
         <p:blipFill>
-          <a:blip r:embed="rId2">
+          <a:blip r:embed="rId3">
             <a:alphaModFix amt="30000"/>
             <a:extLst>
               <a:ext uri="{28A0092B-C50C-407E-A947-70E740481C1C}">
@@ -40384,13 +40498,13 @@
         </p:nvSpPr>
         <p:spPr>
           <a:xfrm>
-            <a:off x="1141412" y="1125538"/>
-            <a:ext cx="9905999" cy="5480050"/>
+            <a:off x="698500" y="763590"/>
+            <a:ext cx="10802938" cy="5841998"/>
           </a:xfrm>
         </p:spPr>
         <p:txBody>
           <a:bodyPr vert="horz" lIns="91440" tIns="45720" rIns="91440" bIns="45720" rtlCol="0">
-            <a:normAutofit/>
+            <a:normAutofit fontScale="25000" lnSpcReduction="20000"/>
           </a:bodyPr>
           <a:lstStyle/>
           <a:p>
@@ -40399,95 +40513,7 @@
                 <a:spcPct val="110000"/>
               </a:lnSpc>
             </a:pPr>
-            <a:r>
-              <a:rPr lang="en-US" sz="1900" dirty="0">
-                <a:solidFill>
-                  <a:schemeClr val="tx1"/>
-                </a:solidFill>
-                <a:effectLst>
-                  <a:glow rad="38100">
-                    <a:schemeClr val="bg2"/>
-                  </a:glow>
-                </a:effectLst>
-              </a:rPr>
-              <a:t>https://</a:t>
-            </a:r>
-            <a:r>
-              <a:rPr lang="en-US" sz="1900" dirty="0" err="1">
-                <a:solidFill>
-                  <a:schemeClr val="tx1"/>
-                </a:solidFill>
-                <a:effectLst>
-                  <a:glow rad="38100">
-                    <a:schemeClr val="bg2"/>
-                  </a:glow>
-                </a:effectLst>
-              </a:rPr>
-              <a:t>www.kaggle.com</a:t>
-            </a:r>
-            <a:r>
-              <a:rPr lang="en-US" sz="1900" dirty="0">
-                <a:solidFill>
-                  <a:schemeClr val="tx1"/>
-                </a:solidFill>
-                <a:effectLst>
-                  <a:glow rad="38100">
-                    <a:schemeClr val="bg2"/>
-                  </a:glow>
-                </a:effectLst>
-              </a:rPr>
-              <a:t>/datasets/</a:t>
-            </a:r>
-            <a:r>
-              <a:rPr lang="en-US" sz="1900" dirty="0" err="1">
-                <a:solidFill>
-                  <a:schemeClr val="tx1"/>
-                </a:solidFill>
-                <a:effectLst>
-                  <a:glow rad="38100">
-                    <a:schemeClr val="bg2"/>
-                  </a:glow>
-                </a:effectLst>
-              </a:rPr>
-              <a:t>saurabhbadole</a:t>
-            </a:r>
-            <a:r>
-              <a:rPr lang="en-US" sz="1900" dirty="0">
-                <a:solidFill>
-                  <a:schemeClr val="tx1"/>
-                </a:solidFill>
-                <a:effectLst>
-                  <a:glow rad="38100">
-                    <a:schemeClr val="bg2"/>
-                  </a:glow>
-                </a:effectLst>
-              </a:rPr>
-              <a:t>/latest-data-science-job-salaries-2024/data</a:t>
-            </a:r>
-          </a:p>
-          <a:p>
-            <a:pPr marL="457200" indent="-228600">
-              <a:lnSpc>
-                <a:spcPct val="110000"/>
-              </a:lnSpc>
-              <a:buFont typeface="Arial" panose="020B0604020202020204" pitchFamily="34" charset="0"/>
-              <a:buChar char="•"/>
-            </a:pPr>
-            <a:r>
-              <a:rPr lang="en-US" sz="1900" dirty="0">
-                <a:solidFill>
-                  <a:schemeClr val="tx1"/>
-                </a:solidFill>
-                <a:effectLst>
-                  <a:glow rad="38100">
-                    <a:schemeClr val="bg2"/>
-                  </a:glow>
-                </a:effectLst>
-                <a:hlinkClick r:id="rId3"/>
-              </a:rPr>
-              <a:t>https://businessday.ng/careers/article/five-best-countries-to-study-data-science-globally/</a:t>
-            </a:r>
-            <a:endParaRPr lang="en-US" sz="1900" dirty="0">
+            <a:endParaRPr lang="en-US" sz="4000" dirty="0">
               <a:solidFill>
                 <a:schemeClr val="tx1"/>
               </a:solidFill>
@@ -40499,15 +40525,13 @@
             </a:endParaRPr>
           </a:p>
           <a:p>
-            <a:pPr marL="457200" indent="-228600">
+            <a:pPr marL="228600">
               <a:lnSpc>
                 <a:spcPct val="110000"/>
               </a:lnSpc>
-              <a:buFont typeface="Arial" panose="020B0604020202020204" pitchFamily="34" charset="0"/>
-              <a:buChar char="•"/>
             </a:pPr>
             <a:r>
-              <a:rPr lang="en-US" sz="1900" dirty="0">
+              <a:rPr lang="en-US" sz="6400" dirty="0">
                 <a:solidFill>
                   <a:schemeClr val="tx1"/>
                 </a:solidFill>
@@ -40517,10 +40541,10 @@
                   </a:glow>
                 </a:effectLst>
               </a:rPr>
-              <a:t>https://</a:t>
+              <a:t>Badole, Saurabh.(2025, March).</a:t>
             </a:r>
             <a:r>
-              <a:rPr lang="en-US" sz="1900" dirty="0" err="1">
+              <a:rPr lang="en-US" sz="6400" i="1" dirty="0">
                 <a:solidFill>
                   <a:schemeClr val="tx1"/>
                 </a:solidFill>
@@ -40530,10 +40554,10 @@
                   </a:glow>
                 </a:effectLst>
               </a:rPr>
-              <a:t>inbusinessphx.com</a:t>
+              <a:t>latest data science job salaries 2020-2025. </a:t>
             </a:r>
             <a:r>
-              <a:rPr lang="en-US" sz="1900" dirty="0">
+              <a:rPr lang="en-US" sz="6400" dirty="0">
                 <a:solidFill>
                   <a:schemeClr val="tx1"/>
                 </a:solidFill>
@@ -40543,7 +40567,305 @@
                   </a:glow>
                 </a:effectLst>
               </a:rPr>
-              <a:t>/leadership-management/are-managers-more-invested-in-their-in-person-vs-remote-employees-growth#:~:text=In%20terms%20of%20trustworthiness%2C%2040%%20favor%20in%2Dperson,their%20teams%20without%20the%20traditional%20in%2Doffice%20presence.</a:t>
+              <a:t>Kaggle. 	</a:t>
+            </a:r>
+            <a:r>
+              <a:rPr lang="en-US" sz="6400" dirty="0">
+                <a:solidFill>
+                  <a:schemeClr val="tx1"/>
+                </a:solidFill>
+                <a:effectLst>
+                  <a:glow rad="38100">
+                    <a:schemeClr val="bg2"/>
+                  </a:glow>
+                </a:effectLst>
+                <a:hlinkClick r:id="rId4"/>
+              </a:rPr>
+              <a:t>https://www.kaggle.com/datasets/saurabhbadole/latest-data-science-job-salaries-2024/data</a:t>
+            </a:r>
+            <a:endParaRPr lang="en-US" sz="6400" dirty="0">
+              <a:solidFill>
+                <a:schemeClr val="tx1"/>
+              </a:solidFill>
+              <a:effectLst>
+                <a:glow rad="38100">
+                  <a:schemeClr val="bg2"/>
+                </a:glow>
+              </a:effectLst>
+            </a:endParaRPr>
+          </a:p>
+          <a:p>
+            <a:pPr marL="228600">
+              <a:lnSpc>
+                <a:spcPct val="110000"/>
+              </a:lnSpc>
+            </a:pPr>
+            <a:endParaRPr lang="en-US" sz="6400" dirty="0">
+              <a:solidFill>
+                <a:schemeClr val="tx1"/>
+              </a:solidFill>
+              <a:effectLst>
+                <a:glow rad="38100">
+                  <a:schemeClr val="bg2"/>
+                </a:glow>
+              </a:effectLst>
+            </a:endParaRPr>
+          </a:p>
+          <a:p>
+            <a:pPr marL="228600">
+              <a:lnSpc>
+                <a:spcPct val="110000"/>
+              </a:lnSpc>
+            </a:pPr>
+            <a:r>
+              <a:rPr lang="en-US" sz="6400" dirty="0">
+                <a:solidFill>
+                  <a:schemeClr val="tx1"/>
+                </a:solidFill>
+                <a:effectLst>
+                  <a:glow rad="38100">
+                    <a:schemeClr val="bg2"/>
+                  </a:glow>
+                </a:effectLst>
+              </a:rPr>
+              <a:t>Inbusiness. (2024, September). </a:t>
+            </a:r>
+            <a:r>
+              <a:rPr lang="en-US" sz="6400" i="1" dirty="0">
+                <a:solidFill>
+                  <a:schemeClr val="tx1"/>
+                </a:solidFill>
+                <a:effectLst>
+                  <a:glow rad="38100">
+                    <a:schemeClr val="bg2"/>
+                  </a:glow>
+                </a:effectLst>
+              </a:rPr>
+              <a:t>Are managers more invested in their in-person vs. remote employees’ growth? </a:t>
+            </a:r>
+          </a:p>
+          <a:p>
+            <a:pPr marL="228600">
+              <a:lnSpc>
+                <a:spcPct val="110000"/>
+              </a:lnSpc>
+            </a:pPr>
+            <a:r>
+              <a:rPr lang="en-US" sz="6400" i="1" dirty="0">
+                <a:solidFill>
+                  <a:schemeClr val="tx1"/>
+                </a:solidFill>
+                <a:effectLst>
+                  <a:glow rad="38100">
+                    <a:schemeClr val="bg2"/>
+                  </a:glow>
+                </a:effectLst>
+              </a:rPr>
+              <a:t>	</a:t>
+            </a:r>
+            <a:r>
+              <a:rPr lang="en-US" sz="6400" dirty="0">
+                <a:solidFill>
+                  <a:schemeClr val="tx1"/>
+                </a:solidFill>
+                <a:effectLst>
+                  <a:glow rad="38100">
+                    <a:schemeClr val="bg2"/>
+                  </a:glow>
+                </a:effectLst>
+                <a:hlinkClick r:id="rId5"/>
+              </a:rPr>
+              <a:t>https://inbusinessphx.com/leadership-management/are-managers-more-invested-in-their-in-person-</a:t>
+            </a:r>
+            <a:r>
+              <a:rPr lang="en-US" sz="6400" dirty="0">
+                <a:solidFill>
+                  <a:schemeClr val="tx1"/>
+                </a:solidFill>
+                <a:effectLst>
+                  <a:glow rad="38100">
+                    <a:schemeClr val="bg2"/>
+                  </a:glow>
+                </a:effectLst>
+              </a:rPr>
+              <a:t>	vsremoteemployeesgrowth#:~:text=In%20terms%20of%20trustworthiness%2C%2040%%20favor%	20in%2Dperson,their%20teams%20without%20the%20traditional%20in%2Doffice%20presence.</a:t>
+            </a:r>
+          </a:p>
+          <a:p>
+            <a:pPr marL="228600">
+              <a:lnSpc>
+                <a:spcPct val="110000"/>
+              </a:lnSpc>
+            </a:pPr>
+            <a:endParaRPr lang="en-US" sz="6400" dirty="0">
+              <a:solidFill>
+                <a:schemeClr val="tx1"/>
+              </a:solidFill>
+              <a:effectLst>
+                <a:glow rad="38100">
+                  <a:schemeClr val="bg2"/>
+                </a:glow>
+              </a:effectLst>
+            </a:endParaRPr>
+          </a:p>
+          <a:p>
+            <a:pPr marL="228600">
+              <a:lnSpc>
+                <a:spcPct val="110000"/>
+              </a:lnSpc>
+            </a:pPr>
+            <a:r>
+              <a:rPr lang="en-US" sz="6400" dirty="0">
+                <a:solidFill>
+                  <a:schemeClr val="tx1"/>
+                </a:solidFill>
+                <a:effectLst>
+                  <a:glow rad="38100">
+                    <a:schemeClr val="bg2"/>
+                  </a:glow>
+                </a:effectLst>
+              </a:rPr>
+              <a:t>Ogwo, Charles. (2025, February 23). </a:t>
+            </a:r>
+            <a:r>
+              <a:rPr lang="en-US" sz="6400" i="1" dirty="0">
+                <a:solidFill>
+                  <a:schemeClr val="tx1"/>
+                </a:solidFill>
+                <a:effectLst>
+                  <a:glow rad="38100">
+                    <a:schemeClr val="bg2"/>
+                  </a:glow>
+                </a:effectLst>
+              </a:rPr>
+              <a:t>Five best countries to study data science globally.</a:t>
+            </a:r>
+            <a:r>
+              <a:rPr lang="en-US" sz="6400" dirty="0">
+                <a:solidFill>
+                  <a:schemeClr val="tx1"/>
+                </a:solidFill>
+                <a:effectLst>
+                  <a:glow rad="38100">
+                    <a:schemeClr val="bg2"/>
+                  </a:glow>
+                </a:effectLst>
+              </a:rPr>
+              <a:t> Businessday. 	</a:t>
+            </a:r>
+            <a:r>
+              <a:rPr lang="en-US" sz="6400" dirty="0">
+                <a:solidFill>
+                  <a:schemeClr val="tx1"/>
+                </a:solidFill>
+                <a:effectLst>
+                  <a:glow rad="38100">
+                    <a:schemeClr val="bg2"/>
+                  </a:glow>
+                </a:effectLst>
+                <a:hlinkClick r:id="rId6"/>
+              </a:rPr>
+              <a:t>https://businessday.ng/careers/article/five-best-countries-to-study-data-science-globally/</a:t>
+            </a:r>
+            <a:endParaRPr lang="en-US" sz="6400" dirty="0">
+              <a:solidFill>
+                <a:schemeClr val="tx1"/>
+              </a:solidFill>
+              <a:effectLst>
+                <a:glow rad="38100">
+                  <a:schemeClr val="bg2"/>
+                </a:glow>
+              </a:effectLst>
+            </a:endParaRPr>
+          </a:p>
+          <a:p>
+            <a:pPr marL="228600">
+              <a:lnSpc>
+                <a:spcPct val="110000"/>
+              </a:lnSpc>
+            </a:pPr>
+            <a:endParaRPr lang="en-US" sz="6400" dirty="0">
+              <a:solidFill>
+                <a:schemeClr val="tx1"/>
+              </a:solidFill>
+              <a:effectLst>
+                <a:glow rad="38100">
+                  <a:schemeClr val="bg2"/>
+                </a:glow>
+              </a:effectLst>
+            </a:endParaRPr>
+          </a:p>
+          <a:p>
+            <a:pPr marL="228600">
+              <a:lnSpc>
+                <a:spcPct val="110000"/>
+              </a:lnSpc>
+            </a:pPr>
+            <a:r>
+              <a:rPr lang="en-US" sz="6400" dirty="0">
+                <a:solidFill>
+                  <a:schemeClr val="tx1"/>
+                </a:solidFill>
+                <a:effectLst>
+                  <a:glow rad="38100">
+                    <a:schemeClr val="bg2"/>
+                  </a:glow>
+                </a:effectLst>
+              </a:rPr>
+              <a:t>Xu, limin.(2020,December). </a:t>
+            </a:r>
+            <a:r>
+              <a:rPr lang="en-US" sz="6400" i="1" dirty="0">
+                <a:solidFill>
+                  <a:schemeClr val="tx1"/>
+                </a:solidFill>
+                <a:effectLst>
+                  <a:glow rad="38100">
+                    <a:schemeClr val="bg2"/>
+                  </a:glow>
+                </a:effectLst>
+              </a:rPr>
+              <a:t>The benefit of being a local leader: evidence from firm-specific stock price crash risk. </a:t>
+            </a:r>
+            <a:r>
+              <a:rPr lang="en-US" sz="6400" dirty="0">
+                <a:solidFill>
+                  <a:schemeClr val="tx1"/>
+                </a:solidFill>
+                <a:effectLst>
+                  <a:glow rad="38100">
+                    <a:schemeClr val="bg2"/>
+                  </a:glow>
+                </a:effectLst>
+              </a:rPr>
+              <a:t>Journal of corporate finance. 	</a:t>
+            </a:r>
+            <a:r>
+              <a:rPr lang="en-US" sz="6400" dirty="0">
+                <a:solidFill>
+                  <a:schemeClr val="tx1"/>
+                </a:solidFill>
+                <a:effectLst>
+                  <a:glow rad="38100">
+                    <a:schemeClr val="bg2"/>
+                  </a:glow>
+                </a:effectLst>
+                <a:hlinkClick r:id="rId7"/>
+              </a:rPr>
+              <a:t>https://www.sciencedirect.com/science/article/abs/pii/S0929119920301966#:~:text=We%20find%2</a:t>
+            </a:r>
+            <a:r>
+              <a:rPr lang="en-US" sz="6400" dirty="0">
+                <a:solidFill>
+                  <a:schemeClr val="tx1"/>
+                </a:solidFill>
+                <a:effectLst>
+                  <a:glow rad="38100">
+                    <a:schemeClr val="bg2"/>
+                  </a:glow>
+                </a:effectLst>
+              </a:rPr>
+              <a:t>	0that%20local%20leadership%2C%20in%20terms,decreases%20a%20firm's%20stock%20price%20cr	ash%20risk.&amp;text=Overall%2C%20our%20results%20highlight%20a%20novel%20benefit,the%20fir	m%20less%20prone%20to%20crash%20risk.</a:t>
             </a:r>
           </a:p>
           <a:p>
@@ -40554,71 +40876,16 @@
               <a:buFont typeface="Arial" panose="020B0604020202020204" pitchFamily="34" charset="0"/>
               <a:buChar char="•"/>
             </a:pPr>
-            <a:r>
-              <a:rPr lang="en-US" sz="1900" dirty="0">
-                <a:solidFill>
-                  <a:schemeClr val="tx1"/>
-                </a:solidFill>
-                <a:effectLst>
-                  <a:glow rad="38100">
-                    <a:schemeClr val="bg2"/>
-                  </a:glow>
-                </a:effectLst>
-              </a:rPr>
-              <a:t>https://</a:t>
-            </a:r>
-            <a:r>
-              <a:rPr lang="en-US" sz="1900" dirty="0" err="1">
-                <a:solidFill>
-                  <a:schemeClr val="tx1"/>
-                </a:solidFill>
-                <a:effectLst>
-                  <a:glow rad="38100">
-                    <a:schemeClr val="bg2"/>
-                  </a:glow>
-                </a:effectLst>
-              </a:rPr>
-              <a:t>www.sciencedirect.com</a:t>
-            </a:r>
-            <a:r>
-              <a:rPr lang="en-US" sz="1900" dirty="0">
-                <a:solidFill>
-                  <a:schemeClr val="tx1"/>
-                </a:solidFill>
-                <a:effectLst>
-                  <a:glow rad="38100">
-                    <a:schemeClr val="bg2"/>
-                  </a:glow>
-                </a:effectLst>
-              </a:rPr>
-              <a:t>/science/article/abs/</a:t>
-            </a:r>
-            <a:r>
-              <a:rPr lang="en-US" sz="1900" dirty="0" err="1">
-                <a:solidFill>
-                  <a:schemeClr val="tx1"/>
-                </a:solidFill>
-                <a:effectLst>
-                  <a:glow rad="38100">
-                    <a:schemeClr val="bg2"/>
-                  </a:glow>
-                </a:effectLst>
-              </a:rPr>
-              <a:t>pii</a:t>
-            </a:r>
-            <a:r>
-              <a:rPr lang="en-US" sz="1900" dirty="0">
-                <a:solidFill>
-                  <a:schemeClr val="tx1"/>
-                </a:solidFill>
-                <a:effectLst>
-                  <a:glow rad="38100">
-                    <a:schemeClr val="bg2"/>
-                  </a:glow>
-                </a:effectLst>
-              </a:rPr>
-              <a:t>/S0929119920301966#:~:text=We%20find%20that%20local%20leadership%2C%20in%20terms,decreases%20a%20firm's%20stock%20price%20crash%20risk.&amp;text=Overall%2C%20our%20results%20highlight%20a%20novel%20benefit,the%20firm%20less%20prone%20to%20crash%20risk.</a:t>
-            </a:r>
+            <a:endParaRPr lang="en-US" sz="4000" dirty="0">
+              <a:solidFill>
+                <a:schemeClr val="tx1"/>
+              </a:solidFill>
+              <a:effectLst>
+                <a:glow rad="38100">
+                  <a:schemeClr val="bg2"/>
+                </a:glow>
+              </a:effectLst>
+            </a:endParaRPr>
           </a:p>
         </p:txBody>
       </p:sp>
